--- a/slide/lib/DataEmpowermentを議論.pptx
+++ b/slide/lib/DataEmpowermentを議論.pptx
@@ -7209,7 +7209,7 @@
         <p:spPr>
           <a:xfrm>
             <a:off x="7731977" y="4013806"/>
-            <a:ext cx="3991457" cy="1569660"/>
+            <a:ext cx="3174777" cy="1569660"/>
           </a:xfrm>
           <a:prstGeom prst="rect">
             <a:avLst/>
@@ -7259,10 +7259,9 @@
               <a:buChar char="•"/>
             </a:pPr>
             <a:r>
-              <a:rPr lang="ja-JP" altLang="en-US" sz="2400" b="1" dirty="0"/>
-              <a:t>心理学</a:t>
-            </a:r>
-            <a:endParaRPr lang="en-US" altLang="ja-JP" sz="2400" b="1" dirty="0"/>
+              <a:rPr lang="en-US" altLang="ja-JP" sz="2400" b="1" dirty="0"/>
+              <a:t>OR</a:t>
+            </a:r>
           </a:p>
         </p:txBody>
       </p:sp>

--- a/slide/lib/DataEmpowermentを議論.pptx
+++ b/slide/lib/DataEmpowermentを議論.pptx
@@ -8863,7 +8863,7 @@
         <p:spPr>
           <a:xfrm>
             <a:off x="620945" y="1383852"/>
-            <a:ext cx="9422707" cy="5247590"/>
+            <a:ext cx="9422707" cy="5232202"/>
           </a:xfrm>
           <a:prstGeom prst="rect">
             <a:avLst/>
@@ -8939,10 +8939,7 @@
               <a:rPr lang="ja-JP" altLang="en-US" sz="2400" dirty="0"/>
               <a:t>データ活用とは</a:t>
             </a:r>
-            <a:r>
-              <a:rPr lang="en-US" altLang="ja-JP" sz="2400" dirty="0"/>
-              <a:t>(Data Empowerment)</a:t>
-            </a:r>
+            <a:endParaRPr lang="en-US" altLang="ja-JP" sz="2400"/>
           </a:p>
           <a:p>
             <a:pPr marL="800100" lvl="1" indent="-342900">
@@ -8950,8 +8947,12 @@
               <a:buAutoNum type="arabicPeriod"/>
             </a:pPr>
             <a:r>
+              <a:rPr lang="ja-JP" altLang="en-US" sz="2400"/>
+              <a:t>データ</a:t>
+            </a:r>
+            <a:r>
               <a:rPr lang="ja-JP" altLang="en-US" sz="2400" dirty="0"/>
-              <a:t>データ活用における統計学の役割</a:t>
+              <a:t>活用における統計学の役割</a:t>
             </a:r>
           </a:p>
           <a:p>
